--- a/SQLiteAndroid_v2.pptx
+++ b/SQLiteAndroid_v2.pptx
@@ -210,7 +210,7 @@
             <a:pPr rtl="0"/>
             <a:fld id="{715F6A1E-27D8-447B-971C-9F1C7B14BF03}" type="datetime1">
               <a:rPr lang="hr-HR" smtClean="0"/>
-              <a:t>5.3.2024.</a:t>
+              <a:t>6.3.2024.</a:t>
             </a:fld>
             <a:endParaRPr lang="hr-HR" dirty="0"/>
           </a:p>
@@ -379,7 +379,7 @@
             <a:fld id="{E91C2D9D-2047-4C58-80B8-6CAB5F50E13B}" type="datetime1">
               <a:rPr lang="hr-HR" smtClean="0"/>
               <a:pPr/>
-              <a:t>5.3.2024.</a:t>
+              <a:t>6.3.2024.</a:t>
             </a:fld>
             <a:endParaRPr lang="hr-HR" dirty="0"/>
           </a:p>
@@ -1055,7 +1055,7 @@
             <a:pPr rtl="0"/>
             <a:fld id="{4F5D6624-CC8D-41CC-B26B-73731ECE0F1A}" type="datetime1">
               <a:rPr lang="hr-HR" noProof="0" smtClean="0"/>
-              <a:t>5.3.2024.</a:t>
+              <a:t>6.3.2024.</a:t>
             </a:fld>
             <a:endParaRPr lang="hr-HR" noProof="0" dirty="0"/>
           </a:p>
@@ -1257,7 +1257,7 @@
             <a:pPr rtl="0"/>
             <a:fld id="{1A5D85DB-EC76-486F-87A2-BA2559C80DE7}" type="datetime1">
               <a:rPr lang="hr-HR" noProof="0" smtClean="0"/>
-              <a:t>5.3.2024.</a:t>
+              <a:t>6.3.2024.</a:t>
             </a:fld>
             <a:endParaRPr lang="hr-HR" noProof="0" dirty="0"/>
           </a:p>
@@ -1469,7 +1469,7 @@
             <a:pPr rtl="0"/>
             <a:fld id="{BCDF0982-9E8F-4EA2-9067-8A4C27E5C00F}" type="datetime1">
               <a:rPr lang="hr-HR" noProof="0" smtClean="0"/>
-              <a:t>5.3.2024.</a:t>
+              <a:t>6.3.2024.</a:t>
             </a:fld>
             <a:endParaRPr lang="hr-HR" noProof="0" dirty="0"/>
           </a:p>
@@ -1671,7 +1671,7 @@
             <a:pPr rtl="0"/>
             <a:fld id="{B6290D61-40B1-4250-B9DD-12E8E1492FF6}" type="datetime1">
               <a:rPr lang="hr-HR" noProof="0" smtClean="0"/>
-              <a:t>5.3.2024.</a:t>
+              <a:t>6.3.2024.</a:t>
             </a:fld>
             <a:endParaRPr lang="hr-HR" noProof="0" dirty="0"/>
           </a:p>
@@ -1950,7 +1950,7 @@
             <a:pPr rtl="0"/>
             <a:fld id="{BED34096-48D4-4123-9C9E-56615DC4CCC7}" type="datetime1">
               <a:rPr lang="hr-HR" noProof="0" smtClean="0"/>
-              <a:t>5.3.2024.</a:t>
+              <a:t>6.3.2024.</a:t>
             </a:fld>
             <a:endParaRPr lang="hr-HR" noProof="0" dirty="0"/>
           </a:p>
@@ -2219,7 +2219,7 @@
             <a:pPr rtl="0"/>
             <a:fld id="{9ECAFF2B-898C-482A-A397-6E5A46F21E30}" type="datetime1">
               <a:rPr lang="hr-HR" noProof="0" smtClean="0"/>
-              <a:t>5.3.2024.</a:t>
+              <a:t>6.3.2024.</a:t>
             </a:fld>
             <a:endParaRPr lang="hr-HR" noProof="0" dirty="0"/>
           </a:p>
@@ -2635,7 +2635,7 @@
             <a:pPr rtl="0"/>
             <a:fld id="{101D0B60-8BB6-435F-BD89-6FD468EE4DAE}" type="datetime1">
               <a:rPr lang="hr-HR" noProof="0" smtClean="0"/>
-              <a:t>5.3.2024.</a:t>
+              <a:t>6.3.2024.</a:t>
             </a:fld>
             <a:endParaRPr lang="hr-HR" noProof="0" dirty="0"/>
           </a:p>
@@ -2780,7 +2780,7 @@
             <a:pPr rtl="0"/>
             <a:fld id="{7F6541DD-D021-4B97-AE31-5098DCF45523}" type="datetime1">
               <a:rPr lang="hr-HR" noProof="0" smtClean="0"/>
-              <a:t>5.3.2024.</a:t>
+              <a:t>6.3.2024.</a:t>
             </a:fld>
             <a:endParaRPr lang="hr-HR" noProof="0" dirty="0"/>
           </a:p>
@@ -2897,7 +2897,7 @@
             <a:pPr rtl="0"/>
             <a:fld id="{D57C3FB4-842F-4778-B7F6-E57E8456D1D9}" type="datetime1">
               <a:rPr lang="hr-HR" noProof="0" smtClean="0"/>
-              <a:t>5.3.2024.</a:t>
+              <a:t>6.3.2024.</a:t>
             </a:fld>
             <a:endParaRPr lang="hr-HR" noProof="0" dirty="0"/>
           </a:p>
@@ -3212,7 +3212,7 @@
             <a:pPr rtl="0"/>
             <a:fld id="{CEC2D372-1760-4CCB-8598-4C41EB6C61ED}" type="datetime1">
               <a:rPr lang="hr-HR" noProof="0" smtClean="0"/>
-              <a:t>5.3.2024.</a:t>
+              <a:t>6.3.2024.</a:t>
             </a:fld>
             <a:endParaRPr lang="hr-HR" noProof="0" dirty="0"/>
           </a:p>
@@ -3504,7 +3504,7 @@
             <a:pPr rtl="0"/>
             <a:fld id="{3638A3C5-5862-4D29-9D3B-5D0D2D8AB1DD}" type="datetime1">
               <a:rPr lang="hr-HR" noProof="0" smtClean="0"/>
-              <a:t>5.3.2024.</a:t>
+              <a:t>6.3.2024.</a:t>
             </a:fld>
             <a:endParaRPr lang="hr-HR" noProof="0" dirty="0"/>
           </a:p>
@@ -3749,7 +3749,7 @@
             <a:pPr rtl="0"/>
             <a:fld id="{F7B2DC10-65AC-48A2-8AF2-842D3E612E80}" type="datetime1">
               <a:rPr lang="hr-HR" noProof="0" smtClean="0"/>
-              <a:t>5.3.2024.</a:t>
+              <a:t>6.3.2024.</a:t>
             </a:fld>
             <a:endParaRPr lang="hr-HR" noProof="0" dirty="0"/>
           </a:p>
@@ -5185,13 +5185,13 @@
   <p:clrMapOvr>
     <a:masterClrMapping/>
   </p:clrMapOvr>
-  <mc:AlternateContent xmlns:mc="http://schemas.openxmlformats.org/markup-compatibility/2006">
-    <mc:Choice xmlns:p159="http://schemas.microsoft.com/office/powerpoint/2015/09/main" Requires="p159">
+  <mc:AlternateContent xmlns:mc="http://schemas.openxmlformats.org/markup-compatibility/2006" xmlns:p159="http://schemas.microsoft.com/office/powerpoint/2015/09/main">
+    <mc:Choice Requires="p159">
       <p:transition xmlns:p14="http://schemas.microsoft.com/office/powerpoint/2010/main" spd="slow" p14:dur="2000">
         <p159:morph option="byObject"/>
       </p:transition>
     </mc:Choice>
-    <mc:Fallback>
+    <mc:Fallback xmlns="">
       <p:transition spd="slow">
         <p:fade/>
       </p:transition>
@@ -6577,13 +6577,13 @@
   <p:clrMapOvr>
     <a:masterClrMapping/>
   </p:clrMapOvr>
-  <mc:AlternateContent xmlns:mc="http://schemas.openxmlformats.org/markup-compatibility/2006">
-    <mc:Choice xmlns:p159="http://schemas.microsoft.com/office/powerpoint/2015/09/main" Requires="p159">
+  <mc:AlternateContent xmlns:mc="http://schemas.openxmlformats.org/markup-compatibility/2006" xmlns:p159="http://schemas.microsoft.com/office/powerpoint/2015/09/main">
+    <mc:Choice Requires="p159">
       <p:transition xmlns:p14="http://schemas.microsoft.com/office/powerpoint/2010/main" spd="slow" p14:dur="2000">
         <p159:morph option="byObject"/>
       </p:transition>
     </mc:Choice>
-    <mc:Fallback>
+    <mc:Fallback xmlns="">
       <p:transition spd="slow">
         <p:fade/>
       </p:transition>
@@ -8198,13 +8198,13 @@
   <p:clrMapOvr>
     <a:masterClrMapping/>
   </p:clrMapOvr>
-  <mc:AlternateContent xmlns:mc="http://schemas.openxmlformats.org/markup-compatibility/2006">
-    <mc:Choice xmlns:p159="http://schemas.microsoft.com/office/powerpoint/2015/09/main" Requires="p159">
+  <mc:AlternateContent xmlns:mc="http://schemas.openxmlformats.org/markup-compatibility/2006" xmlns:p159="http://schemas.microsoft.com/office/powerpoint/2015/09/main">
+    <mc:Choice Requires="p159">
       <p:transition xmlns:p14="http://schemas.microsoft.com/office/powerpoint/2010/main" spd="slow" p14:dur="2000">
         <p159:morph option="byObject"/>
       </p:transition>
     </mc:Choice>
-    <mc:Fallback>
+    <mc:Fallback xmlns="">
       <p:transition spd="slow">
         <p:fade/>
       </p:transition>
@@ -8295,7 +8295,26 @@
           </a:bodyPr>
           <a:lstStyle/>
           <a:p>
-            <a:endParaRPr lang="hr-HR" sz="2000" dirty="0"/>
+            <a:r>
+              <a:rPr lang="hr-HR" sz="2000" b="1" dirty="0"/>
+              <a:t>github.com/</a:t>
+            </a:r>
+            <a:r>
+              <a:rPr lang="hr-HR" sz="2000" b="1" dirty="0" err="1"/>
+              <a:t>Kemilab</a:t>
+            </a:r>
+            <a:r>
+              <a:rPr lang="hr-HR" sz="2000" b="1" dirty="0"/>
+              <a:t>/</a:t>
+            </a:r>
+            <a:r>
+              <a:rPr lang="hr-HR" sz="2000" b="1" dirty="0" err="1"/>
+              <a:t>SQLite</a:t>
+            </a:r>
+            <a:r>
+              <a:rPr lang="hr-HR" sz="2000" b="1" dirty="0"/>
+              <a:t>-Android</a:t>
+            </a:r>
           </a:p>
         </p:txBody>
       </p:sp>
@@ -8527,13 +8546,13 @@
   <p:clrMapOvr>
     <a:masterClrMapping/>
   </p:clrMapOvr>
-  <mc:AlternateContent xmlns:mc="http://schemas.openxmlformats.org/markup-compatibility/2006">
-    <mc:Choice xmlns:p159="http://schemas.microsoft.com/office/powerpoint/2015/09/main" Requires="p159">
+  <mc:AlternateContent xmlns:mc="http://schemas.openxmlformats.org/markup-compatibility/2006" xmlns:p159="http://schemas.microsoft.com/office/powerpoint/2015/09/main">
+    <mc:Choice Requires="p159">
       <p:transition xmlns:p14="http://schemas.microsoft.com/office/powerpoint/2010/main" spd="slow" p14:dur="2000">
         <p159:morph option="byObject"/>
       </p:transition>
     </mc:Choice>
-    <mc:Fallback>
+    <mc:Fallback xmlns="">
       <p:transition spd="slow">
         <p:fade/>
       </p:transition>
@@ -9394,6 +9413,23 @@
 </file>
 
 <file path=customXml/item1.xml><?xml version="1.0" encoding="utf-8"?>
+<?mso-contentType ?>
+<FormTemplates xmlns="http://schemas.microsoft.com/sharepoint/v3/contenttype/forms">
+  <Display>DocumentLibraryForm</Display>
+  <Edit>DocumentLibraryForm</Edit>
+  <New>DocumentLibraryForm</New>
+</FormTemplates>
+</file>
+
+<file path=customXml/item2.xml><?xml version="1.0" encoding="utf-8"?>
+<p:properties xmlns:p="http://schemas.microsoft.com/office/2006/metadata/properties" xmlns:xsi="http://www.w3.org/2001/XMLSchema-instance" xmlns:pc="http://schemas.microsoft.com/office/infopath/2007/PartnerControls">
+  <documentManagement>
+    <MediaServiceKeyPoints xmlns="71af3243-3dd4-4a8d-8c0d-dd76da1f02a5" xsi:nil="true"/>
+  </documentManagement>
+</p:properties>
+</file>
+
+<file path=customXml/item3.xml><?xml version="1.0" encoding="utf-8"?>
 <ct:contentTypeSchema xmlns:ct="http://schemas.microsoft.com/office/2006/metadata/contentType" xmlns:ma="http://schemas.microsoft.com/office/2006/metadata/properties/metaAttributes" ct:_="" ma:_="" ma:contentTypeName="Document" ma:contentTypeID="0x01010079F111ED35F8CC479449609E8A0923A6" ma:contentTypeVersion="11" ma:contentTypeDescription="Create a new document." ma:contentTypeScope="" ma:versionID="9677210f24a1be23c92c90fd886aa0aa">
   <xsd:schema xmlns:xsd="http://www.w3.org/2001/XMLSchema" xmlns:xs="http://www.w3.org/2001/XMLSchema" xmlns:p="http://schemas.microsoft.com/office/2006/metadata/properties" xmlns:ns2="71af3243-3dd4-4a8d-8c0d-dd76da1f02a5" xmlns:ns3="16c05727-aa75-4e4a-9b5f-8a80a1165891" targetNamespace="http://schemas.microsoft.com/office/2006/metadata/properties" ma:root="true" ma:fieldsID="60e05723c5c1908df1a1a4ebf11d344e" ns2:_="" ns3:_="">
     <xsd:import namespace="71af3243-3dd4-4a8d-8c0d-dd76da1f02a5"/>
@@ -9604,24 +9640,25 @@
 </ct:contentTypeSchema>
 </file>
 
-<file path=customXml/item2.xml><?xml version="1.0" encoding="utf-8"?>
-<p:properties xmlns:p="http://schemas.microsoft.com/office/2006/metadata/properties" xmlns:xsi="http://www.w3.org/2001/XMLSchema-instance" xmlns:pc="http://schemas.microsoft.com/office/infopath/2007/PartnerControls">
-  <documentManagement>
-    <MediaServiceKeyPoints xmlns="71af3243-3dd4-4a8d-8c0d-dd76da1f02a5" xsi:nil="true"/>
-  </documentManagement>
-</p:properties>
+<file path=customXml/itemProps1.xml><?xml version="1.0" encoding="utf-8"?>
+<ds:datastoreItem xmlns:ds="http://schemas.openxmlformats.org/officeDocument/2006/customXml" ds:itemID="{ED05A9AC-14F2-42E4-904B-43004658B98B}">
+  <ds:schemaRefs>
+    <ds:schemaRef ds:uri="http://schemas.microsoft.com/sharepoint/v3/contenttype/forms"/>
+  </ds:schemaRefs>
+</ds:datastoreItem>
 </file>
 
-<file path=customXml/item3.xml><?xml version="1.0" encoding="utf-8"?>
-<?mso-contentType ?>
-<FormTemplates xmlns="http://schemas.microsoft.com/sharepoint/v3/contenttype/forms">
-  <Display>DocumentLibraryForm</Display>
-  <Edit>DocumentLibraryForm</Edit>
-  <New>DocumentLibraryForm</New>
-</FormTemplates>
+<file path=customXml/itemProps2.xml><?xml version="1.0" encoding="utf-8"?>
+<ds:datastoreItem xmlns:ds="http://schemas.openxmlformats.org/officeDocument/2006/customXml" ds:itemID="{02137551-CD8F-4200-B612-C4D85FD83077}">
+  <ds:schemaRefs>
+    <ds:schemaRef ds:uri="http://schemas.microsoft.com/office/2006/metadata/properties"/>
+    <ds:schemaRef ds:uri="http://schemas.microsoft.com/office/infopath/2007/PartnerControls"/>
+    <ds:schemaRef ds:uri="71af3243-3dd4-4a8d-8c0d-dd76da1f02a5"/>
+  </ds:schemaRefs>
+</ds:datastoreItem>
 </file>
 
-<file path=customXml/itemProps1.xml><?xml version="1.0" encoding="utf-8"?>
+<file path=customXml/itemProps3.xml><?xml version="1.0" encoding="utf-8"?>
 <ds:datastoreItem xmlns:ds="http://schemas.openxmlformats.org/officeDocument/2006/customXml" ds:itemID="{8190339A-8661-42A0-BCF8-FCB14B654C87}">
   <ds:schemaRefs>
     <ds:schemaRef ds:uri="http://schemas.microsoft.com/office/2006/metadata/contentType"/>
@@ -9638,22 +9675,4 @@
     <ds:schemaRef ds:uri="http://schemas.microsoft.com/internal/obd"/>
   </ds:schemaRefs>
 </ds:datastoreItem>
-</file>
-
-<file path=customXml/itemProps2.xml><?xml version="1.0" encoding="utf-8"?>
-<ds:datastoreItem xmlns:ds="http://schemas.openxmlformats.org/officeDocument/2006/customXml" ds:itemID="{02137551-CD8F-4200-B612-C4D85FD83077}">
-  <ds:schemaRefs>
-    <ds:schemaRef ds:uri="http://schemas.microsoft.com/office/2006/metadata/properties"/>
-    <ds:schemaRef ds:uri="http://schemas.microsoft.com/office/infopath/2007/PartnerControls"/>
-    <ds:schemaRef ds:uri="71af3243-3dd4-4a8d-8c0d-dd76da1f02a5"/>
-  </ds:schemaRefs>
-</ds:datastoreItem>
-</file>
-
-<file path=customXml/itemProps3.xml><?xml version="1.0" encoding="utf-8"?>
-<ds:datastoreItem xmlns:ds="http://schemas.openxmlformats.org/officeDocument/2006/customXml" ds:itemID="{ED05A9AC-14F2-42E4-904B-43004658B98B}">
-  <ds:schemaRefs>
-    <ds:schemaRef ds:uri="http://schemas.microsoft.com/sharepoint/v3/contenttype/forms"/>
-  </ds:schemaRefs>
-</ds:datastoreItem>
 </file>